--- a/Kotlin跨平台开发实践.pptx
+++ b/Kotlin跨平台开发实践.pptx
@@ -5,10 +5,10 @@
     <p:sldMasterId id="2147483648" r:id="rId1"/>
   </p:sldMasterIdLst>
   <p:notesMasterIdLst>
-    <p:notesMasterId r:id="rId12"/>
+    <p:notesMasterId r:id="rId27"/>
   </p:notesMasterIdLst>
   <p:handoutMasterIdLst>
-    <p:handoutMasterId r:id="rId13"/>
+    <p:handoutMasterId r:id="rId28"/>
   </p:handoutMasterIdLst>
   <p:sldIdLst>
     <p:sldId id="256" r:id="rId3"/>
@@ -20,6 +20,21 @@
     <p:sldId id="262" r:id="rId9"/>
     <p:sldId id="263" r:id="rId10"/>
     <p:sldId id="264" r:id="rId11"/>
+    <p:sldId id="266" r:id="rId12"/>
+    <p:sldId id="267" r:id="rId13"/>
+    <p:sldId id="268" r:id="rId14"/>
+    <p:sldId id="269" r:id="rId15"/>
+    <p:sldId id="270" r:id="rId16"/>
+    <p:sldId id="271" r:id="rId17"/>
+    <p:sldId id="272" r:id="rId18"/>
+    <p:sldId id="273" r:id="rId19"/>
+    <p:sldId id="274" r:id="rId20"/>
+    <p:sldId id="275" r:id="rId21"/>
+    <p:sldId id="276" r:id="rId22"/>
+    <p:sldId id="277" r:id="rId23"/>
+    <p:sldId id="278" r:id="rId24"/>
+    <p:sldId id="279" r:id="rId25"/>
+    <p:sldId id="280" r:id="rId26"/>
   </p:sldIdLst>
   <p:sldSz cx="12192000" cy="6858000"/>
   <p:notesSz cx="7103745" cy="10234295"/>
@@ -3190,7 +3205,7 @@
         <a:spcBef>
           <a:spcPts val="1000"/>
         </a:spcBef>
-        <a:buFont typeface="Arial" panose="02080604020202020204" pitchFamily="34" charset="0"/>
+        <a:buFont typeface="Arial" panose="020B0604020202020204" pitchFamily="34" charset="0"/>
         <a:buChar char="•"/>
         <a:defRPr sz="2400" kern="1200">
           <a:solidFill>
@@ -3208,7 +3223,7 @@
         <a:spcBef>
           <a:spcPts val="500"/>
         </a:spcBef>
-        <a:buFont typeface="Arial" panose="02080604020202020204" pitchFamily="34" charset="0"/>
+        <a:buFont typeface="Arial" panose="020B0604020202020204" pitchFamily="34" charset="0"/>
         <a:buChar char="•"/>
         <a:defRPr sz="2000" kern="1200">
           <a:solidFill>
@@ -3226,7 +3241,7 @@
         <a:spcBef>
           <a:spcPts val="500"/>
         </a:spcBef>
-        <a:buFont typeface="Arial" panose="02080604020202020204" pitchFamily="34" charset="0"/>
+        <a:buFont typeface="Arial" panose="020B0604020202020204" pitchFamily="34" charset="0"/>
         <a:buChar char="•"/>
         <a:defRPr sz="1800" kern="1200">
           <a:solidFill>
@@ -3244,7 +3259,7 @@
         <a:spcBef>
           <a:spcPts val="500"/>
         </a:spcBef>
-        <a:buFont typeface="Arial" panose="02080604020202020204" pitchFamily="34" charset="0"/>
+        <a:buFont typeface="Arial" panose="020B0604020202020204" pitchFamily="34" charset="0"/>
         <a:buChar char="•"/>
         <a:defRPr sz="1800" kern="1200">
           <a:solidFill>
@@ -3262,7 +3277,7 @@
         <a:spcBef>
           <a:spcPts val="500"/>
         </a:spcBef>
-        <a:buFont typeface="Arial" panose="02080604020202020204" pitchFamily="34" charset="0"/>
+        <a:buFont typeface="Arial" panose="020B0604020202020204" pitchFamily="34" charset="0"/>
         <a:buChar char="•"/>
         <a:defRPr sz="1800" kern="1200">
           <a:solidFill>
@@ -3280,7 +3295,7 @@
         <a:spcBef>
           <a:spcPts val="500"/>
         </a:spcBef>
-        <a:buFont typeface="Arial" panose="02080604020202020204" pitchFamily="34" charset="0"/>
+        <a:buFont typeface="Arial" panose="020B0604020202020204" pitchFamily="34" charset="0"/>
         <a:buChar char="•"/>
         <a:defRPr sz="1800" kern="1200">
           <a:solidFill>
@@ -3298,7 +3313,7 @@
         <a:spcBef>
           <a:spcPts val="500"/>
         </a:spcBef>
-        <a:buFont typeface="Arial" panose="02080604020202020204" pitchFamily="34" charset="0"/>
+        <a:buFont typeface="Arial" panose="020B0604020202020204" pitchFamily="34" charset="0"/>
         <a:buChar char="•"/>
         <a:defRPr sz="1800" kern="1200">
           <a:solidFill>
@@ -3316,7 +3331,7 @@
         <a:spcBef>
           <a:spcPts val="500"/>
         </a:spcBef>
-        <a:buFont typeface="Arial" panose="02080604020202020204" pitchFamily="34" charset="0"/>
+        <a:buFont typeface="Arial" panose="020B0604020202020204" pitchFamily="34" charset="0"/>
         <a:buChar char="•"/>
         <a:defRPr sz="1800" kern="1200">
           <a:solidFill>
@@ -3334,7 +3349,7 @@
         <a:spcBef>
           <a:spcPts val="500"/>
         </a:spcBef>
-        <a:buFont typeface="Arial" panose="02080604020202020204" pitchFamily="34" charset="0"/>
+        <a:buFont typeface="Arial" panose="020B0604020202020204" pitchFamily="34" charset="0"/>
         <a:buChar char="•"/>
         <a:defRPr sz="1800" kern="1200">
           <a:solidFill>
@@ -3516,6 +3531,1404 @@
 </p:sld>
 </file>
 
+<file path=ppt/slides/slide10.xml><?xml version="1.0" encoding="utf-8"?>
+<p:sld xmlns:a="http://schemas.openxmlformats.org/drawingml/2006/main" xmlns:r="http://schemas.openxmlformats.org/officeDocument/2006/relationships" xmlns:p="http://schemas.openxmlformats.org/presentationml/2006/main">
+  <p:cSld>
+    <p:spTree>
+      <p:nvGrpSpPr>
+        <p:cNvPr id="1" name=""/>
+        <p:cNvGrpSpPr/>
+        <p:nvPr/>
+      </p:nvGrpSpPr>
+      <p:grpSpPr/>
+      <p:sp>
+        <p:nvSpPr>
+          <p:cNvPr id="2" name="标题 1"/>
+          <p:cNvSpPr>
+            <a:spLocks noGrp="1"/>
+          </p:cNvSpPr>
+          <p:nvPr>
+            <p:ph type="title"/>
+          </p:nvPr>
+        </p:nvSpPr>
+        <p:spPr/>
+        <p:txBody>
+          <a:bodyPr/>
+          <a:p>
+            <a:r>
+              <a:rPr lang="zh-CN" altLang="en-US" sz="1800" b="0">
+                <a:solidFill>
+                  <a:schemeClr val="tx1"/>
+                </a:solidFill>
+                <a:effectLst/>
+                <a:uFillTx/>
+              </a:rPr>
+              <a:t>Jetpack Compose 跨平台开发</a:t>
+            </a:r>
+            <a:endParaRPr lang="zh-CN" altLang="en-US" sz="1800" b="0">
+              <a:solidFill>
+                <a:schemeClr val="tx1"/>
+              </a:solidFill>
+              <a:effectLst/>
+              <a:uFillTx/>
+            </a:endParaRPr>
+          </a:p>
+        </p:txBody>
+      </p:sp>
+      <p:sp>
+        <p:nvSpPr>
+          <p:cNvPr id="3" name="内容占位符 2"/>
+          <p:cNvSpPr>
+            <a:spLocks noGrp="1"/>
+          </p:cNvSpPr>
+          <p:nvPr>
+            <p:ph idx="1"/>
+          </p:nvPr>
+        </p:nvSpPr>
+        <p:spPr>
+          <a:xfrm>
+            <a:off x="647700" y="1825625"/>
+            <a:ext cx="4541520" cy="4351655"/>
+          </a:xfrm>
+        </p:spPr>
+        <p:txBody>
+          <a:bodyPr/>
+          <a:p>
+            <a:r>
+              <a:rPr lang="zh-CN" altLang="en-US" sz="1400">
+                <a:solidFill>
+                  <a:schemeClr val="tx1">
+                    <a:lumMod val="75000"/>
+                    <a:lumOff val="25000"/>
+                  </a:schemeClr>
+                </a:solidFill>
+                <a:uFillTx/>
+              </a:rPr>
+              <a:t>Jetpack Compose 是 Google 针对 Android 推出的新一代声明式 UI 工具包，完全基于 Kotlin 打造，天然具备了跨平台的使用基础。</a:t>
+            </a:r>
+            <a:endParaRPr lang="zh-CN" altLang="en-US" sz="1400">
+              <a:solidFill>
+                <a:schemeClr val="tx1">
+                  <a:lumMod val="75000"/>
+                  <a:lumOff val="25000"/>
+                </a:schemeClr>
+              </a:solidFill>
+              <a:uFillTx/>
+            </a:endParaRPr>
+          </a:p>
+          <a:p>
+            <a:r>
+              <a:rPr lang="zh-CN" altLang="en-US" sz="1400">
+                <a:solidFill>
+                  <a:schemeClr val="tx1">
+                    <a:lumMod val="75000"/>
+                    <a:lumOff val="25000"/>
+                  </a:schemeClr>
+                </a:solidFill>
+                <a:uFillTx/>
+              </a:rPr>
+              <a:t>JetBrains 以 Jetpack Compose（compose-android）为基础，相继发布了 compose-desktop 和 compose-web ，使 Compose 可以运行在更多不同平台。</a:t>
+            </a:r>
+            <a:endParaRPr lang="zh-CN" altLang="en-US" sz="1400">
+              <a:solidFill>
+                <a:schemeClr val="tx1">
+                  <a:lumMod val="75000"/>
+                  <a:lumOff val="25000"/>
+                </a:schemeClr>
+              </a:solidFill>
+              <a:uFillTx/>
+            </a:endParaRPr>
+          </a:p>
+          <a:p>
+            <a:r>
+              <a:rPr lang="zh-CN" altLang="en-US" sz="1400">
+                <a:solidFill>
+                  <a:schemeClr val="tx1">
+                    <a:lumMod val="75000"/>
+                    <a:lumOff val="25000"/>
+                  </a:schemeClr>
+                </a:solidFill>
+                <a:uFillTx/>
+              </a:rPr>
+              <a:t>Compose Multiplatform（compose-jb）本质上是将 compose-desktop，compose-web 以及 compose-android 三者进行了整合，开发者可以在单个工程中使用同一套 Artifacts 开发出运行在 Android，Desktop（Windows, macOS, LInux）以及 Web 等多端的应用程序，工程中可以实现大部分代码的共享以此达到跨平台开发的目的。</a:t>
+            </a:r>
+            <a:endParaRPr lang="zh-CN" altLang="en-US" sz="1400">
+              <a:solidFill>
+                <a:schemeClr val="tx1">
+                  <a:lumMod val="75000"/>
+                  <a:lumOff val="25000"/>
+                </a:schemeClr>
+              </a:solidFill>
+              <a:uFillTx/>
+            </a:endParaRPr>
+          </a:p>
+        </p:txBody>
+      </p:sp>
+      <p:pic>
+        <p:nvPicPr>
+          <p:cNvPr id="4" name="图片 3"/>
+          <p:cNvPicPr>
+            <a:picLocks noChangeAspect="1"/>
+          </p:cNvPicPr>
+          <p:nvPr/>
+        </p:nvPicPr>
+        <p:blipFill>
+          <a:blip r:embed="rId1"/>
+          <a:stretch>
+            <a:fillRect/>
+          </a:stretch>
+        </p:blipFill>
+        <p:spPr>
+          <a:xfrm>
+            <a:off x="5513070" y="1584325"/>
+            <a:ext cx="6236335" cy="3508375"/>
+          </a:xfrm>
+          <a:prstGeom prst="rect">
+            <a:avLst/>
+          </a:prstGeom>
+        </p:spPr>
+      </p:pic>
+    </p:spTree>
+  </p:cSld>
+  <p:clrMapOvr>
+    <a:masterClrMapping/>
+  </p:clrMapOvr>
+</p:sld>
+</file>
+
+<file path=ppt/slides/slide11.xml><?xml version="1.0" encoding="utf-8"?>
+<p:sld xmlns:a="http://schemas.openxmlformats.org/drawingml/2006/main" xmlns:r="http://schemas.openxmlformats.org/officeDocument/2006/relationships" xmlns:p="http://schemas.openxmlformats.org/presentationml/2006/main">
+  <p:cSld>
+    <p:spTree>
+      <p:nvGrpSpPr>
+        <p:cNvPr id="1" name=""/>
+        <p:cNvGrpSpPr/>
+        <p:nvPr/>
+      </p:nvGrpSpPr>
+      <p:grpSpPr/>
+      <p:sp>
+        <p:nvSpPr>
+          <p:cNvPr id="2" name="标题 1"/>
+          <p:cNvSpPr>
+            <a:spLocks noGrp="1"/>
+          </p:cNvSpPr>
+          <p:nvPr>
+            <p:ph type="title"/>
+          </p:nvPr>
+        </p:nvSpPr>
+        <p:spPr/>
+        <p:txBody>
+          <a:bodyPr/>
+          <a:p>
+            <a:r>
+              <a:rPr lang="en-US" altLang="zh-CN" sz="1800" b="0">
+                <a:solidFill>
+                  <a:schemeClr val="tx1"/>
+                </a:solidFill>
+                <a:effectLst/>
+                <a:uFillTx/>
+              </a:rPr>
+              <a:t>compose-desktop</a:t>
+            </a:r>
+            <a:r>
+              <a:rPr lang="zh-CN" altLang="en-US" sz="1800" b="0">
+                <a:solidFill>
+                  <a:schemeClr val="tx1"/>
+                </a:solidFill>
+                <a:effectLst/>
+                <a:uFillTx/>
+              </a:rPr>
+              <a:t>应用</a:t>
+            </a:r>
+            <a:endParaRPr lang="zh-CN" altLang="en-US" sz="1800" b="0">
+              <a:solidFill>
+                <a:schemeClr val="tx1"/>
+              </a:solidFill>
+              <a:effectLst/>
+              <a:uFillTx/>
+            </a:endParaRPr>
+          </a:p>
+        </p:txBody>
+      </p:sp>
+      <p:pic>
+        <p:nvPicPr>
+          <p:cNvPr id="4" name="内容占位符 3"/>
+          <p:cNvPicPr>
+            <a:picLocks noChangeAspect="1"/>
+          </p:cNvPicPr>
+          <p:nvPr>
+            <p:ph idx="1"/>
+          </p:nvPr>
+        </p:nvPicPr>
+        <p:blipFill>
+          <a:blip r:embed="rId1"/>
+          <a:stretch>
+            <a:fillRect/>
+          </a:stretch>
+        </p:blipFill>
+        <p:spPr>
+          <a:xfrm>
+            <a:off x="196850" y="1715135"/>
+            <a:ext cx="4730750" cy="4236085"/>
+          </a:xfrm>
+          <a:prstGeom prst="rect">
+            <a:avLst/>
+          </a:prstGeom>
+        </p:spPr>
+      </p:pic>
+      <p:pic>
+        <p:nvPicPr>
+          <p:cNvPr id="8" name="图片 7"/>
+          <p:cNvPicPr>
+            <a:picLocks noChangeAspect="1"/>
+          </p:cNvPicPr>
+          <p:nvPr/>
+        </p:nvPicPr>
+        <p:blipFill>
+          <a:blip r:embed="rId2"/>
+          <a:stretch>
+            <a:fillRect/>
+          </a:stretch>
+        </p:blipFill>
+        <p:spPr>
+          <a:xfrm>
+            <a:off x="5205095" y="1911350"/>
+            <a:ext cx="6831965" cy="3843020"/>
+          </a:xfrm>
+          <a:prstGeom prst="rect">
+            <a:avLst/>
+          </a:prstGeom>
+        </p:spPr>
+      </p:pic>
+      <p:sp>
+        <p:nvSpPr>
+          <p:cNvPr id="9" name="文本框 8"/>
+          <p:cNvSpPr txBox="1"/>
+          <p:nvPr/>
+        </p:nvSpPr>
+        <p:spPr>
+          <a:xfrm>
+            <a:off x="7959090" y="5951220"/>
+            <a:ext cx="1324610" cy="245110"/>
+          </a:xfrm>
+          <a:prstGeom prst="rect">
+            <a:avLst/>
+          </a:prstGeom>
+          <a:noFill/>
+        </p:spPr>
+        <p:txBody>
+          <a:bodyPr wrap="square" rtlCol="0">
+            <a:spAutoFit/>
+          </a:bodyPr>
+          <a:p>
+            <a:r>
+              <a:rPr lang="en-US" altLang="zh-CN" sz="1000"/>
+              <a:t>build.gradle.kts</a:t>
+            </a:r>
+            <a:r>
+              <a:rPr lang="zh-CN" altLang="en-US" sz="1000"/>
+              <a:t>文件</a:t>
+            </a:r>
+            <a:endParaRPr lang="zh-CN" altLang="en-US" sz="1000"/>
+          </a:p>
+        </p:txBody>
+      </p:sp>
+      <p:sp>
+        <p:nvSpPr>
+          <p:cNvPr id="11" name="文本框 10"/>
+          <p:cNvSpPr txBox="1"/>
+          <p:nvPr/>
+        </p:nvSpPr>
+        <p:spPr>
+          <a:xfrm>
+            <a:off x="1899920" y="6082030"/>
+            <a:ext cx="1708150" cy="245110"/>
+          </a:xfrm>
+          <a:prstGeom prst="rect">
+            <a:avLst/>
+          </a:prstGeom>
+          <a:noFill/>
+        </p:spPr>
+        <p:txBody>
+          <a:bodyPr wrap="square" rtlCol="0">
+            <a:spAutoFit/>
+          </a:bodyPr>
+          <a:p>
+            <a:r>
+              <a:rPr lang="zh-CN" altLang="en-US" sz="1000"/>
+              <a:t>选择单平台</a:t>
+            </a:r>
+            <a:r>
+              <a:rPr lang="en-US" altLang="zh-CN" sz="1000"/>
+              <a:t>desktop</a:t>
+            </a:r>
+            <a:r>
+              <a:rPr lang="zh-CN" altLang="en-US" sz="1000"/>
+              <a:t>项目</a:t>
+            </a:r>
+            <a:endParaRPr lang="zh-CN" altLang="en-US" sz="1000"/>
+          </a:p>
+        </p:txBody>
+      </p:sp>
+    </p:spTree>
+  </p:cSld>
+  <p:clrMapOvr>
+    <a:masterClrMapping/>
+  </p:clrMapOvr>
+</p:sld>
+</file>
+
+<file path=ppt/slides/slide12.xml><?xml version="1.0" encoding="utf-8"?>
+<p:sld xmlns:a="http://schemas.openxmlformats.org/drawingml/2006/main" xmlns:r="http://schemas.openxmlformats.org/officeDocument/2006/relationships" xmlns:p="http://schemas.openxmlformats.org/presentationml/2006/main">
+  <p:cSld>
+    <p:spTree>
+      <p:nvGrpSpPr>
+        <p:cNvPr id="1" name=""/>
+        <p:cNvGrpSpPr/>
+        <p:nvPr/>
+      </p:nvGrpSpPr>
+      <p:grpSpPr/>
+      <p:sp>
+        <p:nvSpPr>
+          <p:cNvPr id="2" name="标题 1"/>
+          <p:cNvSpPr>
+            <a:spLocks noGrp="1"/>
+          </p:cNvSpPr>
+          <p:nvPr>
+            <p:ph type="title"/>
+          </p:nvPr>
+        </p:nvSpPr>
+        <p:spPr/>
+        <p:txBody>
+          <a:bodyPr/>
+          <a:p>
+            <a:r>
+              <a:rPr lang="zh-CN" altLang="en-US" sz="1600" b="0">
+                <a:effectLst/>
+              </a:rPr>
+              <a:t>示例代码完成了按钮点击后文本内容改变的功能。</a:t>
+            </a:r>
+            <a:endParaRPr lang="zh-CN" altLang="en-US" sz="1600" b="0">
+              <a:effectLst/>
+            </a:endParaRPr>
+          </a:p>
+        </p:txBody>
+      </p:sp>
+      <p:pic>
+        <p:nvPicPr>
+          <p:cNvPr id="4" name="图片 3" descr="截屏2023-05-27 17.57.59"/>
+          <p:cNvPicPr>
+            <a:picLocks noChangeAspect="1"/>
+          </p:cNvPicPr>
+          <p:nvPr/>
+        </p:nvPicPr>
+        <p:blipFill>
+          <a:blip r:embed="rId1"/>
+          <a:stretch>
+            <a:fillRect/>
+          </a:stretch>
+        </p:blipFill>
+        <p:spPr>
+          <a:xfrm>
+            <a:off x="479425" y="1877060"/>
+            <a:ext cx="4518660" cy="3648075"/>
+          </a:xfrm>
+          <a:prstGeom prst="rect">
+            <a:avLst/>
+          </a:prstGeom>
+        </p:spPr>
+      </p:pic>
+      <p:pic>
+        <p:nvPicPr>
+          <p:cNvPr id="5" name="内容占位符 4"/>
+          <p:cNvPicPr>
+            <a:picLocks noChangeAspect="1"/>
+          </p:cNvPicPr>
+          <p:nvPr>
+            <p:ph idx="1"/>
+          </p:nvPr>
+        </p:nvPicPr>
+        <p:blipFill>
+          <a:blip r:embed="rId2"/>
+          <a:stretch>
+            <a:fillRect/>
+          </a:stretch>
+        </p:blipFill>
+        <p:spPr>
+          <a:xfrm>
+            <a:off x="5719445" y="1989455"/>
+            <a:ext cx="6083300" cy="3422650"/>
+          </a:xfrm>
+          <a:prstGeom prst="rect">
+            <a:avLst/>
+          </a:prstGeom>
+        </p:spPr>
+      </p:pic>
+    </p:spTree>
+  </p:cSld>
+  <p:clrMapOvr>
+    <a:masterClrMapping/>
+  </p:clrMapOvr>
+</p:sld>
+</file>
+
+<file path=ppt/slides/slide13.xml><?xml version="1.0" encoding="utf-8"?>
+<p:sld xmlns:a="http://schemas.openxmlformats.org/drawingml/2006/main" xmlns:r="http://schemas.openxmlformats.org/officeDocument/2006/relationships" xmlns:p="http://schemas.openxmlformats.org/presentationml/2006/main">
+  <p:cSld>
+    <p:spTree>
+      <p:nvGrpSpPr>
+        <p:cNvPr id="1" name=""/>
+        <p:cNvGrpSpPr/>
+        <p:nvPr/>
+      </p:nvGrpSpPr>
+      <p:grpSpPr/>
+      <p:sp>
+        <p:nvSpPr>
+          <p:cNvPr id="2" name="标题 1"/>
+          <p:cNvSpPr>
+            <a:spLocks noGrp="1"/>
+          </p:cNvSpPr>
+          <p:nvPr>
+            <p:ph type="title"/>
+          </p:nvPr>
+        </p:nvSpPr>
+        <p:spPr/>
+        <p:txBody>
+          <a:bodyPr/>
+          <a:p>
+            <a:r>
+              <a:rPr lang="en-US" altLang="zh-CN" sz="1800" b="0">
+                <a:effectLst/>
+              </a:rPr>
+              <a:t>compose-web</a:t>
+            </a:r>
+            <a:r>
+              <a:rPr lang="zh-CN" altLang="en-US" sz="1800" b="0">
+                <a:effectLst/>
+              </a:rPr>
+              <a:t>应用</a:t>
+            </a:r>
+            <a:endParaRPr lang="zh-CN" altLang="en-US" sz="1800" b="0">
+              <a:effectLst/>
+            </a:endParaRPr>
+          </a:p>
+        </p:txBody>
+      </p:sp>
+      <p:pic>
+        <p:nvPicPr>
+          <p:cNvPr id="4" name="内容占位符 3"/>
+          <p:cNvPicPr>
+            <a:picLocks noChangeAspect="1"/>
+          </p:cNvPicPr>
+          <p:nvPr>
+            <p:ph idx="1"/>
+          </p:nvPr>
+        </p:nvPicPr>
+        <p:blipFill>
+          <a:blip r:embed="rId1"/>
+          <a:stretch>
+            <a:fillRect/>
+          </a:stretch>
+        </p:blipFill>
+        <p:spPr>
+          <a:xfrm>
+            <a:off x="429260" y="2223770"/>
+            <a:ext cx="4667250" cy="3501390"/>
+          </a:xfrm>
+          <a:prstGeom prst="rect">
+            <a:avLst/>
+          </a:prstGeom>
+        </p:spPr>
+      </p:pic>
+      <p:pic>
+        <p:nvPicPr>
+          <p:cNvPr id="5" name="图片 4"/>
+          <p:cNvPicPr>
+            <a:picLocks noChangeAspect="1"/>
+          </p:cNvPicPr>
+          <p:nvPr/>
+        </p:nvPicPr>
+        <p:blipFill>
+          <a:blip r:embed="rId2"/>
+          <a:stretch>
+            <a:fillRect/>
+          </a:stretch>
+        </p:blipFill>
+        <p:spPr>
+          <a:xfrm>
+            <a:off x="5448300" y="2119630"/>
+            <a:ext cx="6593205" cy="3709035"/>
+          </a:xfrm>
+          <a:prstGeom prst="rect">
+            <a:avLst/>
+          </a:prstGeom>
+        </p:spPr>
+      </p:pic>
+      <p:sp>
+        <p:nvSpPr>
+          <p:cNvPr id="11" name="文本框 10"/>
+          <p:cNvSpPr txBox="1"/>
+          <p:nvPr/>
+        </p:nvSpPr>
+        <p:spPr>
+          <a:xfrm>
+            <a:off x="1862455" y="5922645"/>
+            <a:ext cx="1491615" cy="245110"/>
+          </a:xfrm>
+          <a:prstGeom prst="rect">
+            <a:avLst/>
+          </a:prstGeom>
+          <a:noFill/>
+        </p:spPr>
+        <p:txBody>
+          <a:bodyPr wrap="square" rtlCol="0">
+            <a:spAutoFit/>
+          </a:bodyPr>
+          <a:p>
+            <a:r>
+              <a:rPr lang="zh-CN" altLang="en-US" sz="1000"/>
+              <a:t>选择单平台</a:t>
+            </a:r>
+            <a:r>
+              <a:rPr lang="en-US" altLang="zh-CN" sz="1000"/>
+              <a:t>web</a:t>
+            </a:r>
+            <a:r>
+              <a:rPr lang="zh-CN" altLang="en-US" sz="1000"/>
+              <a:t>项目</a:t>
+            </a:r>
+            <a:endParaRPr lang="zh-CN" altLang="en-US" sz="1000"/>
+          </a:p>
+        </p:txBody>
+      </p:sp>
+      <p:sp>
+        <p:nvSpPr>
+          <p:cNvPr id="9" name="文本框 8"/>
+          <p:cNvSpPr txBox="1"/>
+          <p:nvPr/>
+        </p:nvSpPr>
+        <p:spPr>
+          <a:xfrm>
+            <a:off x="8213090" y="5979160"/>
+            <a:ext cx="1324610" cy="245110"/>
+          </a:xfrm>
+          <a:prstGeom prst="rect">
+            <a:avLst/>
+          </a:prstGeom>
+          <a:noFill/>
+        </p:spPr>
+        <p:txBody>
+          <a:bodyPr wrap="square" rtlCol="0">
+            <a:spAutoFit/>
+          </a:bodyPr>
+          <a:p>
+            <a:r>
+              <a:rPr lang="en-US" altLang="zh-CN" sz="1000"/>
+              <a:t>build.gradle.kts</a:t>
+            </a:r>
+            <a:r>
+              <a:rPr lang="zh-CN" altLang="en-US" sz="1000"/>
+              <a:t>文件</a:t>
+            </a:r>
+            <a:endParaRPr lang="zh-CN" altLang="en-US" sz="1000"/>
+          </a:p>
+        </p:txBody>
+      </p:sp>
+    </p:spTree>
+  </p:cSld>
+  <p:clrMapOvr>
+    <a:masterClrMapping/>
+  </p:clrMapOvr>
+</p:sld>
+</file>
+
+<file path=ppt/slides/slide14.xml><?xml version="1.0" encoding="utf-8"?>
+<p:sld xmlns:a="http://schemas.openxmlformats.org/drawingml/2006/main" xmlns:r="http://schemas.openxmlformats.org/officeDocument/2006/relationships" xmlns:p="http://schemas.openxmlformats.org/presentationml/2006/main">
+  <p:cSld>
+    <p:spTree>
+      <p:nvGrpSpPr>
+        <p:cNvPr id="1" name=""/>
+        <p:cNvGrpSpPr/>
+        <p:nvPr/>
+      </p:nvGrpSpPr>
+      <p:grpSpPr/>
+      <p:sp>
+        <p:nvSpPr>
+          <p:cNvPr id="2" name="标题 1"/>
+          <p:cNvSpPr>
+            <a:spLocks noGrp="1"/>
+          </p:cNvSpPr>
+          <p:nvPr>
+            <p:ph type="title"/>
+          </p:nvPr>
+        </p:nvSpPr>
+        <p:spPr/>
+        <p:txBody>
+          <a:bodyPr/>
+          <a:p>
+            <a:r>
+              <a:rPr lang="zh-CN" altLang="en-US" sz="1600" b="0">
+                <a:effectLst/>
+              </a:rPr>
+              <a:t>示例代码实现了</a:t>
+            </a:r>
+            <a:r>
+              <a:rPr lang="zh-CN" altLang="en-US" sz="1600" b="0">
+                <a:effectLst/>
+              </a:rPr>
+              <a:t>一个加减计数器。</a:t>
+            </a:r>
+            <a:endParaRPr lang="zh-CN" altLang="en-US" sz="1600" b="0">
+              <a:effectLst/>
+            </a:endParaRPr>
+          </a:p>
+        </p:txBody>
+      </p:sp>
+      <p:pic>
+        <p:nvPicPr>
+          <p:cNvPr id="4" name="图片 3" descr="截屏2023-05-27 18.09.59"/>
+          <p:cNvPicPr>
+            <a:picLocks noChangeAspect="1"/>
+          </p:cNvPicPr>
+          <p:nvPr/>
+        </p:nvPicPr>
+        <p:blipFill>
+          <a:blip r:embed="rId1"/>
+          <a:stretch>
+            <a:fillRect/>
+          </a:stretch>
+        </p:blipFill>
+        <p:spPr>
+          <a:xfrm>
+            <a:off x="766445" y="1932940"/>
+            <a:ext cx="3716655" cy="4137025"/>
+          </a:xfrm>
+          <a:prstGeom prst="rect">
+            <a:avLst/>
+          </a:prstGeom>
+        </p:spPr>
+      </p:pic>
+      <p:pic>
+        <p:nvPicPr>
+          <p:cNvPr id="5" name="内容占位符 4"/>
+          <p:cNvPicPr>
+            <a:picLocks noChangeAspect="1"/>
+          </p:cNvPicPr>
+          <p:nvPr>
+            <p:ph idx="1"/>
+          </p:nvPr>
+        </p:nvPicPr>
+        <p:blipFill>
+          <a:blip r:embed="rId2"/>
+          <a:stretch>
+            <a:fillRect/>
+          </a:stretch>
+        </p:blipFill>
+        <p:spPr>
+          <a:xfrm>
+            <a:off x="5203190" y="2285365"/>
+            <a:ext cx="6099810" cy="3431540"/>
+          </a:xfrm>
+          <a:prstGeom prst="rect">
+            <a:avLst/>
+          </a:prstGeom>
+        </p:spPr>
+      </p:pic>
+    </p:spTree>
+  </p:cSld>
+  <p:clrMapOvr>
+    <a:masterClrMapping/>
+  </p:clrMapOvr>
+</p:sld>
+</file>
+
+<file path=ppt/slides/slide15.xml><?xml version="1.0" encoding="utf-8"?>
+<p:sld xmlns:a="http://schemas.openxmlformats.org/drawingml/2006/main" xmlns:r="http://schemas.openxmlformats.org/officeDocument/2006/relationships" xmlns:p="http://schemas.openxmlformats.org/presentationml/2006/main">
+  <p:cSld>
+    <p:spTree>
+      <p:nvGrpSpPr>
+        <p:cNvPr id="1" name=""/>
+        <p:cNvGrpSpPr/>
+        <p:nvPr/>
+      </p:nvGrpSpPr>
+      <p:grpSpPr/>
+      <p:sp>
+        <p:nvSpPr>
+          <p:cNvPr id="2" name="标题 1"/>
+          <p:cNvSpPr>
+            <a:spLocks noGrp="1"/>
+          </p:cNvSpPr>
+          <p:nvPr>
+            <p:ph type="title"/>
+          </p:nvPr>
+        </p:nvSpPr>
+        <p:spPr/>
+        <p:txBody>
+          <a:bodyPr/>
+          <a:p>
+            <a:r>
+              <a:rPr lang="zh-CN" altLang="en-US" sz="1600" b="0">
+                <a:effectLst/>
+              </a:rPr>
+              <a:t>点击</a:t>
+            </a:r>
+            <a:r>
+              <a:rPr lang="en-US" altLang="zh-CN" sz="1600" b="0">
+                <a:effectLst/>
+              </a:rPr>
+              <a:t>F12</a:t>
+            </a:r>
+            <a:r>
+              <a:rPr lang="zh-CN" altLang="en-US" sz="1600" b="0">
+                <a:effectLst/>
+              </a:rPr>
+              <a:t>进入开发者工具调试界面，发现</a:t>
+            </a:r>
+            <a:r>
+              <a:rPr lang="en-US" altLang="zh-CN" sz="1600" b="0">
+                <a:effectLst/>
+              </a:rPr>
+              <a:t>Compose</a:t>
+            </a:r>
+            <a:r>
+              <a:rPr lang="zh-CN" altLang="en-US" sz="1600" b="0">
+                <a:effectLst/>
+              </a:rPr>
+              <a:t>组件渲染成</a:t>
+            </a:r>
+            <a:r>
+              <a:rPr lang="en-US" altLang="zh-CN" sz="1600" b="0">
+                <a:effectLst/>
+              </a:rPr>
+              <a:t>Dom</a:t>
+            </a:r>
+            <a:r>
+              <a:rPr lang="zh-CN" altLang="en-US" sz="1600" b="0">
+                <a:effectLst/>
+              </a:rPr>
+              <a:t>元素。</a:t>
+            </a:r>
+            <a:endParaRPr lang="zh-CN" altLang="en-US" sz="1600" b="0">
+              <a:effectLst/>
+            </a:endParaRPr>
+          </a:p>
+        </p:txBody>
+      </p:sp>
+      <p:pic>
+        <p:nvPicPr>
+          <p:cNvPr id="4" name="内容占位符 3"/>
+          <p:cNvPicPr>
+            <a:picLocks noChangeAspect="1"/>
+          </p:cNvPicPr>
+          <p:nvPr>
+            <p:ph idx="1"/>
+          </p:nvPr>
+        </p:nvPicPr>
+        <p:blipFill>
+          <a:blip r:embed="rId1"/>
+          <a:stretch>
+            <a:fillRect/>
+          </a:stretch>
+        </p:blipFill>
+        <p:spPr>
+          <a:xfrm>
+            <a:off x="759460" y="1750060"/>
+            <a:ext cx="7735570" cy="4351655"/>
+          </a:xfrm>
+          <a:prstGeom prst="rect">
+            <a:avLst/>
+          </a:prstGeom>
+        </p:spPr>
+      </p:pic>
+    </p:spTree>
+  </p:cSld>
+  <p:clrMapOvr>
+    <a:masterClrMapping/>
+  </p:clrMapOvr>
+</p:sld>
+</file>
+
+<file path=ppt/slides/slide16.xml><?xml version="1.0" encoding="utf-8"?>
+<p:sld xmlns:a="http://schemas.openxmlformats.org/drawingml/2006/main" xmlns:r="http://schemas.openxmlformats.org/officeDocument/2006/relationships" xmlns:p="http://schemas.openxmlformats.org/presentationml/2006/main">
+  <p:cSld>
+    <p:spTree>
+      <p:nvGrpSpPr>
+        <p:cNvPr id="1" name=""/>
+        <p:cNvGrpSpPr/>
+        <p:nvPr/>
+      </p:nvGrpSpPr>
+      <p:grpSpPr/>
+      <p:sp>
+        <p:nvSpPr>
+          <p:cNvPr id="2" name="标题 1"/>
+          <p:cNvSpPr>
+            <a:spLocks noGrp="1"/>
+          </p:cNvSpPr>
+          <p:nvPr>
+            <p:ph type="title"/>
+          </p:nvPr>
+        </p:nvSpPr>
+        <p:spPr/>
+        <p:txBody>
+          <a:bodyPr/>
+          <a:p>
+            <a:r>
+              <a:rPr lang="en-US" altLang="zh-CN" sz="1800" b="0">
+                <a:effectLst/>
+              </a:rPr>
+              <a:t>compose-multi</a:t>
+            </a:r>
+            <a:r>
+              <a:rPr lang="zh-CN" altLang="en-US" sz="1800" b="0">
+                <a:effectLst/>
+              </a:rPr>
+              <a:t>应用</a:t>
+            </a:r>
+            <a:endParaRPr lang="zh-CN" altLang="en-US" sz="1800" b="0">
+              <a:effectLst/>
+            </a:endParaRPr>
+          </a:p>
+        </p:txBody>
+      </p:sp>
+      <p:pic>
+        <p:nvPicPr>
+          <p:cNvPr id="4" name="内容占位符 3"/>
+          <p:cNvPicPr>
+            <a:picLocks noChangeAspect="1"/>
+          </p:cNvPicPr>
+          <p:nvPr>
+            <p:ph idx="1"/>
+          </p:nvPr>
+        </p:nvPicPr>
+        <p:blipFill>
+          <a:blip r:embed="rId1"/>
+          <a:stretch>
+            <a:fillRect/>
+          </a:stretch>
+        </p:blipFill>
+        <p:spPr>
+          <a:xfrm>
+            <a:off x="403860" y="2094865"/>
+            <a:ext cx="4935220" cy="3702050"/>
+          </a:xfrm>
+          <a:prstGeom prst="rect">
+            <a:avLst/>
+          </a:prstGeom>
+        </p:spPr>
+      </p:pic>
+      <p:sp>
+        <p:nvSpPr>
+          <p:cNvPr id="11" name="文本框 10"/>
+          <p:cNvSpPr txBox="1"/>
+          <p:nvPr/>
+        </p:nvSpPr>
+        <p:spPr>
+          <a:xfrm>
+            <a:off x="2191385" y="5973445"/>
+            <a:ext cx="1078230" cy="245110"/>
+          </a:xfrm>
+          <a:prstGeom prst="rect">
+            <a:avLst/>
+          </a:prstGeom>
+          <a:noFill/>
+        </p:spPr>
+        <p:txBody>
+          <a:bodyPr wrap="square" rtlCol="0">
+            <a:spAutoFit/>
+          </a:bodyPr>
+          <a:p>
+            <a:r>
+              <a:rPr lang="zh-CN" altLang="en-US" sz="1000"/>
+              <a:t>选择</a:t>
+            </a:r>
+            <a:r>
+              <a:rPr lang="zh-CN" altLang="en-US" sz="1000"/>
+              <a:t>多平台项目</a:t>
+            </a:r>
+            <a:endParaRPr lang="zh-CN" altLang="en-US" sz="1000"/>
+          </a:p>
+        </p:txBody>
+      </p:sp>
+      <p:pic>
+        <p:nvPicPr>
+          <p:cNvPr id="5" name="图片 4"/>
+          <p:cNvPicPr>
+            <a:picLocks noChangeAspect="1"/>
+          </p:cNvPicPr>
+          <p:nvPr/>
+        </p:nvPicPr>
+        <p:blipFill>
+          <a:blip r:embed="rId2"/>
+          <a:stretch>
+            <a:fillRect/>
+          </a:stretch>
+        </p:blipFill>
+        <p:spPr>
+          <a:xfrm>
+            <a:off x="5695950" y="2094865"/>
+            <a:ext cx="6294120" cy="3540760"/>
+          </a:xfrm>
+          <a:prstGeom prst="rect">
+            <a:avLst/>
+          </a:prstGeom>
+        </p:spPr>
+      </p:pic>
+      <p:sp>
+        <p:nvSpPr>
+          <p:cNvPr id="6" name="文本框 5"/>
+          <p:cNvSpPr txBox="1"/>
+          <p:nvPr/>
+        </p:nvSpPr>
+        <p:spPr>
+          <a:xfrm>
+            <a:off x="6673215" y="5796915"/>
+            <a:ext cx="4547870" cy="245110"/>
+          </a:xfrm>
+          <a:prstGeom prst="rect">
+            <a:avLst/>
+          </a:prstGeom>
+          <a:noFill/>
+        </p:spPr>
+        <p:txBody>
+          <a:bodyPr wrap="square" rtlCol="0">
+            <a:spAutoFit/>
+          </a:bodyPr>
+          <a:p>
+            <a:r>
+              <a:rPr lang="en-US" altLang="zh-CN" sz="1000"/>
+              <a:t>IDEA</a:t>
+            </a:r>
+            <a:r>
+              <a:rPr lang="zh-CN" altLang="en-US" sz="1000"/>
+              <a:t>默认会创建</a:t>
+            </a:r>
+            <a:r>
+              <a:rPr lang="en-US" altLang="zh-CN" sz="1000"/>
+              <a:t>android</a:t>
+            </a:r>
+            <a:r>
+              <a:rPr lang="zh-CN" altLang="en-US" sz="1000"/>
+              <a:t>和</a:t>
+            </a:r>
+            <a:r>
+              <a:rPr lang="en-US" altLang="zh-CN" sz="1000"/>
+              <a:t>desktop</a:t>
+            </a:r>
+            <a:r>
+              <a:rPr lang="zh-CN" altLang="en-US" sz="1000"/>
+              <a:t>结合的多平台项目，做到代码逻辑和</a:t>
+            </a:r>
+            <a:r>
+              <a:rPr lang="en-US" altLang="zh-CN" sz="1000"/>
+              <a:t>UI</a:t>
+            </a:r>
+            <a:r>
+              <a:rPr lang="zh-CN" altLang="en-US" sz="1000"/>
+              <a:t>共享</a:t>
+            </a:r>
+            <a:endParaRPr lang="zh-CN" altLang="en-US" sz="1000"/>
+          </a:p>
+        </p:txBody>
+      </p:sp>
+    </p:spTree>
+  </p:cSld>
+  <p:clrMapOvr>
+    <a:masterClrMapping/>
+  </p:clrMapOvr>
+</p:sld>
+</file>
+
+<file path=ppt/slides/slide17.xml><?xml version="1.0" encoding="utf-8"?>
+<p:sld xmlns:a="http://schemas.openxmlformats.org/drawingml/2006/main" xmlns:r="http://schemas.openxmlformats.org/officeDocument/2006/relationships" xmlns:p="http://schemas.openxmlformats.org/presentationml/2006/main">
+  <p:cSld>
+    <p:spTree>
+      <p:nvGrpSpPr>
+        <p:cNvPr id="1" name=""/>
+        <p:cNvGrpSpPr/>
+        <p:nvPr/>
+      </p:nvGrpSpPr>
+      <p:grpSpPr/>
+      <p:sp>
+        <p:nvSpPr>
+          <p:cNvPr id="2" name="标题 1"/>
+          <p:cNvSpPr>
+            <a:spLocks noGrp="1"/>
+          </p:cNvSpPr>
+          <p:nvPr>
+            <p:ph type="title"/>
+          </p:nvPr>
+        </p:nvSpPr>
+        <p:spPr/>
+        <p:txBody>
+          <a:bodyPr/>
+          <a:p>
+            <a:r>
+              <a:rPr lang="zh-CN" altLang="en-US" sz="1800" b="0">
+                <a:effectLst/>
+              </a:rPr>
+              <a:t>ContactDemo实践</a:t>
+            </a:r>
+            <a:endParaRPr lang="zh-CN" altLang="en-US" sz="1800" b="0">
+              <a:effectLst/>
+            </a:endParaRPr>
+          </a:p>
+        </p:txBody>
+      </p:sp>
+      <p:sp>
+        <p:nvSpPr>
+          <p:cNvPr id="3" name="内容占位符 2"/>
+          <p:cNvSpPr>
+            <a:spLocks noGrp="1"/>
+          </p:cNvSpPr>
+          <p:nvPr>
+            <p:ph idx="1"/>
+          </p:nvPr>
+        </p:nvSpPr>
+        <p:spPr/>
+        <p:txBody>
+          <a:bodyPr>
+            <a:normAutofit lnSpcReduction="10000"/>
+          </a:bodyPr>
+          <a:p>
+            <a:pPr marL="0" indent="0">
+              <a:buNone/>
+            </a:pPr>
+            <a:r>
+              <a:rPr lang="zh-CN" altLang="en-US" sz="1600"/>
+              <a:t>功能简介：</a:t>
+            </a:r>
+            <a:endParaRPr lang="zh-CN" altLang="en-US" sz="1600"/>
+          </a:p>
+          <a:p>
+            <a:r>
+              <a:rPr lang="zh-CN" altLang="en-US" sz="1400"/>
+              <a:t>联系人数据服务端</a:t>
+            </a:r>
+            <a:r>
+              <a:rPr lang="zh-CN" altLang="en-US" sz="1400"/>
+              <a:t>的搭建</a:t>
+            </a:r>
+            <a:endParaRPr lang="zh-CN" altLang="en-US" sz="1400"/>
+          </a:p>
+          <a:p>
+            <a:r>
+              <a:rPr lang="zh-CN" altLang="en-US" sz="1400"/>
+              <a:t>远端联系人列表展示</a:t>
+            </a:r>
+            <a:endParaRPr lang="zh-CN" altLang="en-US" sz="1400"/>
+          </a:p>
+          <a:p>
+            <a:r>
+              <a:rPr lang="zh-CN" altLang="en-US" sz="1400"/>
+              <a:t>本地联系人列表展示</a:t>
+            </a:r>
+            <a:endParaRPr lang="zh-CN" altLang="en-US" sz="1400"/>
+          </a:p>
+          <a:p>
+            <a:pPr marL="0" indent="0">
+              <a:buNone/>
+            </a:pPr>
+            <a:endParaRPr lang="zh-CN" altLang="en-US" sz="1400"/>
+          </a:p>
+          <a:p>
+            <a:pPr>
+              <a:buNone/>
+            </a:pPr>
+            <a:r>
+              <a:rPr lang="zh-CN" altLang="en-US" sz="1600"/>
+              <a:t>使用到到</a:t>
+            </a:r>
+            <a:r>
+              <a:rPr lang="en-US" altLang="zh-CN" sz="1600"/>
+              <a:t>Kotlin</a:t>
+            </a:r>
+            <a:r>
+              <a:rPr lang="zh-CN" altLang="en-US" sz="1600"/>
+              <a:t>跨平台</a:t>
+            </a:r>
+            <a:r>
+              <a:rPr lang="zh-CN" altLang="en-US" sz="1600"/>
+              <a:t>库：</a:t>
+            </a:r>
+            <a:endParaRPr lang="zh-CN" altLang="en-US" sz="1600"/>
+          </a:p>
+          <a:p>
+            <a:r>
+              <a:rPr lang="zh-CN" altLang="en-US" sz="1400"/>
+              <a:t>kotlinx.coroutines</a:t>
+            </a:r>
+            <a:endParaRPr lang="zh-CN" altLang="en-US" sz="1400"/>
+          </a:p>
+          <a:p>
+            <a:r>
+              <a:rPr lang="zh-CN" altLang="en-US" sz="1400"/>
+              <a:t>kotlinx.serialization</a:t>
+            </a:r>
+            <a:endParaRPr lang="zh-CN" altLang="en-US" sz="1400"/>
+          </a:p>
+          <a:p>
+            <a:r>
+              <a:rPr lang="zh-CN" altLang="en-US" sz="1400"/>
+              <a:t>Ktor</a:t>
+            </a:r>
+            <a:endParaRPr lang="zh-CN" altLang="en-US" sz="1400"/>
+          </a:p>
+          <a:p>
+            <a:r>
+              <a:rPr lang="zh-CN" altLang="en-US" sz="1400"/>
+              <a:t>SQLDelight</a:t>
+            </a:r>
+            <a:endParaRPr lang="zh-CN" altLang="en-US" sz="1400"/>
+          </a:p>
+          <a:p>
+            <a:r>
+              <a:rPr lang="zh-CN" altLang="en-US" sz="1400"/>
+              <a:t>Napier</a:t>
+            </a:r>
+            <a:endParaRPr lang="zh-CN" altLang="en-US" sz="1400"/>
+          </a:p>
+          <a:p>
+            <a:r>
+              <a:rPr lang="zh-CN" altLang="en-US" sz="1400"/>
+              <a:t>PreCompose</a:t>
+            </a:r>
+            <a:endParaRPr lang="zh-CN" altLang="en-US" sz="1400"/>
+          </a:p>
+        </p:txBody>
+      </p:sp>
+    </p:spTree>
+  </p:cSld>
+  <p:clrMapOvr>
+    <a:masterClrMapping/>
+  </p:clrMapOvr>
+</p:sld>
+</file>
+
+<file path=ppt/slides/slide18.xml><?xml version="1.0" encoding="utf-8"?>
+<p:sld xmlns:a="http://schemas.openxmlformats.org/drawingml/2006/main" xmlns:r="http://schemas.openxmlformats.org/officeDocument/2006/relationships" xmlns:p="http://schemas.openxmlformats.org/presentationml/2006/main">
+  <p:cSld>
+    <p:spTree>
+      <p:nvGrpSpPr>
+        <p:cNvPr id="1" name=""/>
+        <p:cNvGrpSpPr/>
+        <p:nvPr/>
+      </p:nvGrpSpPr>
+      <p:grpSpPr/>
+      <p:sp>
+        <p:nvSpPr>
+          <p:cNvPr id="2" name="标题 1"/>
+          <p:cNvSpPr>
+            <a:spLocks noGrp="1"/>
+          </p:cNvSpPr>
+          <p:nvPr>
+            <p:ph type="title"/>
+          </p:nvPr>
+        </p:nvSpPr>
+        <p:spPr/>
+        <p:txBody>
+          <a:bodyPr/>
+          <a:p>
+            <a:r>
+              <a:rPr lang="zh-CN" altLang="en-US" sz="1800" b="0">
+                <a:effectLst/>
+              </a:rPr>
+              <a:t>项目结构</a:t>
+            </a:r>
+            <a:endParaRPr lang="zh-CN" altLang="en-US" sz="1800" b="0">
+              <a:effectLst/>
+            </a:endParaRPr>
+          </a:p>
+        </p:txBody>
+      </p:sp>
+      <p:pic>
+        <p:nvPicPr>
+          <p:cNvPr id="4" name="内容占位符 3"/>
+          <p:cNvPicPr>
+            <a:picLocks noChangeAspect="1"/>
+          </p:cNvPicPr>
+          <p:nvPr>
+            <p:ph idx="1"/>
+          </p:nvPr>
+        </p:nvPicPr>
+        <p:blipFill>
+          <a:blip r:embed="rId1"/>
+          <a:stretch>
+            <a:fillRect/>
+          </a:stretch>
+        </p:blipFill>
+        <p:spPr>
+          <a:xfrm>
+            <a:off x="647700" y="1844040"/>
+            <a:ext cx="7602220" cy="4276725"/>
+          </a:xfrm>
+          <a:prstGeom prst="rect">
+            <a:avLst/>
+          </a:prstGeom>
+        </p:spPr>
+      </p:pic>
+      <p:sp>
+        <p:nvSpPr>
+          <p:cNvPr id="6" name="文本框 5"/>
+          <p:cNvSpPr txBox="1"/>
+          <p:nvPr/>
+        </p:nvSpPr>
+        <p:spPr>
+          <a:xfrm>
+            <a:off x="8542020" y="2428875"/>
+            <a:ext cx="3344545" cy="3107690"/>
+          </a:xfrm>
+          <a:prstGeom prst="rect">
+            <a:avLst/>
+          </a:prstGeom>
+          <a:noFill/>
+        </p:spPr>
+        <p:txBody>
+          <a:bodyPr wrap="square" rtlCol="0">
+            <a:spAutoFit/>
+          </a:bodyPr>
+          <a:p>
+            <a:r>
+              <a:rPr lang="zh-CN" altLang="en-US" sz="1400"/>
+              <a:t>backend：使用Ktor框架搭建服务端，响应Http请求。</a:t>
+            </a:r>
+            <a:endParaRPr lang="zh-CN" altLang="en-US" sz="1400"/>
+          </a:p>
+          <a:p>
+            <a:endParaRPr lang="zh-CN" altLang="en-US" sz="1400"/>
+          </a:p>
+          <a:p>
+            <a:r>
+              <a:rPr lang="zh-CN" altLang="en-US" sz="1400"/>
+              <a:t>shared：公共模块，平台差异通过expect/actual解决。</a:t>
+            </a:r>
+            <a:endParaRPr lang="zh-CN" altLang="en-US" sz="1400"/>
+          </a:p>
+          <a:p>
+            <a:endParaRPr lang="zh-CN" altLang="en-US" sz="1400"/>
+          </a:p>
+          <a:p>
+            <a:r>
+              <a:rPr lang="zh-CN" altLang="en-US" sz="1400"/>
+              <a:t>androidApp：android端相关代码。</a:t>
+            </a:r>
+            <a:endParaRPr lang="zh-CN" altLang="en-US" sz="1400"/>
+          </a:p>
+          <a:p>
+            <a:endParaRPr lang="zh-CN" altLang="en-US" sz="1400"/>
+          </a:p>
+          <a:p>
+            <a:r>
+              <a:rPr lang="zh-CN" altLang="en-US" sz="1400"/>
+              <a:t>jsApp：web端相关代码。</a:t>
+            </a:r>
+            <a:endParaRPr lang="zh-CN" altLang="en-US" sz="1400"/>
+          </a:p>
+          <a:p>
+            <a:endParaRPr lang="zh-CN" altLang="en-US" sz="1400"/>
+          </a:p>
+          <a:p>
+            <a:r>
+              <a:rPr lang="zh-CN" altLang="en-US" sz="1400"/>
+              <a:t>desktopApp：desktop端相关代码。</a:t>
+            </a:r>
+            <a:endParaRPr lang="zh-CN" altLang="en-US" sz="1400"/>
+          </a:p>
+          <a:p>
+            <a:endParaRPr lang="zh-CN" altLang="en-US" sz="1400"/>
+          </a:p>
+          <a:p>
+            <a:r>
+              <a:rPr lang="zh-CN" altLang="en-US" sz="1400"/>
+              <a:t>iosApp：ios端相关代码，测试需要mac环境。</a:t>
+            </a:r>
+            <a:endParaRPr lang="zh-CN" altLang="en-US" sz="1400"/>
+          </a:p>
+        </p:txBody>
+      </p:sp>
+    </p:spTree>
+  </p:cSld>
+  <p:clrMapOvr>
+    <a:masterClrMapping/>
+  </p:clrMapOvr>
+</p:sld>
+</file>
+
+<file path=ppt/slides/slide19.xml><?xml version="1.0" encoding="utf-8"?>
+<p:sld xmlns:a="http://schemas.openxmlformats.org/drawingml/2006/main" xmlns:r="http://schemas.openxmlformats.org/officeDocument/2006/relationships" xmlns:p="http://schemas.openxmlformats.org/presentationml/2006/main">
+  <p:cSld>
+    <p:spTree>
+      <p:nvGrpSpPr>
+        <p:cNvPr id="1" name=""/>
+        <p:cNvGrpSpPr/>
+        <p:nvPr/>
+      </p:nvGrpSpPr>
+      <p:grpSpPr/>
+      <p:sp>
+        <p:nvSpPr>
+          <p:cNvPr id="2" name="标题 1"/>
+          <p:cNvSpPr>
+            <a:spLocks noGrp="1"/>
+          </p:cNvSpPr>
+          <p:nvPr>
+            <p:ph type="title"/>
+          </p:nvPr>
+        </p:nvSpPr>
+        <p:spPr/>
+        <p:txBody>
+          <a:bodyPr/>
+          <a:p>
+            <a:r>
+              <a:rPr lang="en-US" altLang="zh-CN" sz="1600" b="0">
+                <a:effectLst/>
+              </a:rPr>
+              <a:t>android</a:t>
+            </a:r>
+            <a:r>
+              <a:rPr lang="zh-CN" altLang="en-US" sz="1600" b="0">
+                <a:effectLst/>
+              </a:rPr>
+              <a:t>端运行截图</a:t>
+            </a:r>
+            <a:endParaRPr lang="zh-CN" altLang="en-US" sz="1600" b="0">
+              <a:effectLst/>
+            </a:endParaRPr>
+          </a:p>
+        </p:txBody>
+      </p:sp>
+      <p:pic>
+        <p:nvPicPr>
+          <p:cNvPr id="4" name="内容占位符 3"/>
+          <p:cNvPicPr>
+            <a:picLocks noChangeAspect="1"/>
+          </p:cNvPicPr>
+          <p:nvPr>
+            <p:ph idx="1"/>
+          </p:nvPr>
+        </p:nvPicPr>
+        <p:blipFill>
+          <a:blip r:embed="rId1"/>
+          <a:stretch>
+            <a:fillRect/>
+          </a:stretch>
+        </p:blipFill>
+        <p:spPr>
+          <a:xfrm>
+            <a:off x="760730" y="1760220"/>
+            <a:ext cx="6962140" cy="4351655"/>
+          </a:xfrm>
+          <a:prstGeom prst="rect">
+            <a:avLst/>
+          </a:prstGeom>
+        </p:spPr>
+      </p:pic>
+    </p:spTree>
+  </p:cSld>
+  <p:clrMapOvr>
+    <a:masterClrMapping/>
+  </p:clrMapOvr>
+</p:sld>
+</file>
+
 <file path=ppt/slides/slide2.xml><?xml version="1.0" encoding="utf-8"?>
 <p:sld xmlns:a="http://schemas.openxmlformats.org/drawingml/2006/main" xmlns:r="http://schemas.openxmlformats.org/officeDocument/2006/relationships" xmlns:p="http://schemas.openxmlformats.org/presentationml/2006/main">
   <p:cSld>
@@ -3574,6 +4987,440 @@
           </a:p>
         </p:txBody>
       </p:sp>
+    </p:spTree>
+  </p:cSld>
+  <p:clrMapOvr>
+    <a:masterClrMapping/>
+  </p:clrMapOvr>
+</p:sld>
+</file>
+
+<file path=ppt/slides/slide20.xml><?xml version="1.0" encoding="utf-8"?>
+<p:sld xmlns:a="http://schemas.openxmlformats.org/drawingml/2006/main" xmlns:r="http://schemas.openxmlformats.org/officeDocument/2006/relationships" xmlns:p="http://schemas.openxmlformats.org/presentationml/2006/main">
+  <p:cSld>
+    <p:spTree>
+      <p:nvGrpSpPr>
+        <p:cNvPr id="1" name=""/>
+        <p:cNvGrpSpPr/>
+        <p:nvPr/>
+      </p:nvGrpSpPr>
+      <p:grpSpPr/>
+      <p:sp>
+        <p:nvSpPr>
+          <p:cNvPr id="2" name="标题 1"/>
+          <p:cNvSpPr>
+            <a:spLocks noGrp="1"/>
+          </p:cNvSpPr>
+          <p:nvPr>
+            <p:ph type="title"/>
+          </p:nvPr>
+        </p:nvSpPr>
+        <p:spPr/>
+        <p:txBody>
+          <a:bodyPr/>
+          <a:p>
+            <a:r>
+              <a:rPr lang="zh-CN" altLang="en-US" sz="1600" b="0">
+                <a:effectLst/>
+              </a:rPr>
+              <a:t>远端联系人和本地联系人</a:t>
+            </a:r>
+            <a:endParaRPr lang="zh-CN" altLang="en-US" sz="1600" b="0">
+              <a:effectLst/>
+            </a:endParaRPr>
+          </a:p>
+        </p:txBody>
+      </p:sp>
+      <p:pic>
+        <p:nvPicPr>
+          <p:cNvPr id="4" name="内容占位符 3"/>
+          <p:cNvPicPr>
+            <a:picLocks noChangeAspect="1"/>
+          </p:cNvPicPr>
+          <p:nvPr>
+            <p:ph idx="1"/>
+          </p:nvPr>
+        </p:nvPicPr>
+        <p:blipFill>
+          <a:blip r:embed="rId1"/>
+          <a:stretch>
+            <a:fillRect/>
+          </a:stretch>
+        </p:blipFill>
+        <p:spPr>
+          <a:xfrm>
+            <a:off x="188595" y="2129790"/>
+            <a:ext cx="5897880" cy="3686810"/>
+          </a:xfrm>
+          <a:prstGeom prst="rect">
+            <a:avLst/>
+          </a:prstGeom>
+        </p:spPr>
+      </p:pic>
+      <p:pic>
+        <p:nvPicPr>
+          <p:cNvPr id="5" name="图片 4"/>
+          <p:cNvPicPr>
+            <a:picLocks noChangeAspect="1"/>
+          </p:cNvPicPr>
+          <p:nvPr/>
+        </p:nvPicPr>
+        <p:blipFill>
+          <a:blip r:embed="rId2"/>
+          <a:stretch>
+            <a:fillRect/>
+          </a:stretch>
+        </p:blipFill>
+        <p:spPr>
+          <a:xfrm>
+            <a:off x="6240780" y="2129790"/>
+            <a:ext cx="5778500" cy="3611880"/>
+          </a:xfrm>
+          <a:prstGeom prst="rect">
+            <a:avLst/>
+          </a:prstGeom>
+        </p:spPr>
+      </p:pic>
+    </p:spTree>
+  </p:cSld>
+  <p:clrMapOvr>
+    <a:masterClrMapping/>
+  </p:clrMapOvr>
+</p:sld>
+</file>
+
+<file path=ppt/slides/slide21.xml><?xml version="1.0" encoding="utf-8"?>
+<p:sld xmlns:a="http://schemas.openxmlformats.org/drawingml/2006/main" xmlns:r="http://schemas.openxmlformats.org/officeDocument/2006/relationships" xmlns:p="http://schemas.openxmlformats.org/presentationml/2006/main">
+  <p:cSld>
+    <p:spTree>
+      <p:nvGrpSpPr>
+        <p:cNvPr id="1" name=""/>
+        <p:cNvGrpSpPr/>
+        <p:nvPr/>
+      </p:nvGrpSpPr>
+      <p:grpSpPr/>
+      <p:sp>
+        <p:nvSpPr>
+          <p:cNvPr id="2" name="标题 1"/>
+          <p:cNvSpPr>
+            <a:spLocks noGrp="1"/>
+          </p:cNvSpPr>
+          <p:nvPr>
+            <p:ph type="title"/>
+          </p:nvPr>
+        </p:nvSpPr>
+        <p:spPr/>
+        <p:txBody>
+          <a:bodyPr/>
+          <a:p>
+            <a:r>
+              <a:rPr lang="en-US" altLang="zh-CN" sz="1800" b="0">
+                <a:effectLst/>
+              </a:rPr>
+              <a:t>desktop</a:t>
+            </a:r>
+            <a:r>
+              <a:rPr lang="zh-CN" altLang="en-US" sz="1800" b="0">
+                <a:effectLst/>
+              </a:rPr>
+              <a:t>端运行截图</a:t>
+            </a:r>
+            <a:endParaRPr lang="zh-CN" altLang="en-US" sz="1800" b="0">
+              <a:effectLst/>
+            </a:endParaRPr>
+          </a:p>
+        </p:txBody>
+      </p:sp>
+      <p:pic>
+        <p:nvPicPr>
+          <p:cNvPr id="4" name="内容占位符 3"/>
+          <p:cNvPicPr>
+            <a:picLocks noChangeAspect="1"/>
+          </p:cNvPicPr>
+          <p:nvPr>
+            <p:ph idx="1"/>
+          </p:nvPr>
+        </p:nvPicPr>
+        <p:blipFill>
+          <a:blip r:embed="rId1"/>
+          <a:stretch>
+            <a:fillRect/>
+          </a:stretch>
+        </p:blipFill>
+        <p:spPr>
+          <a:xfrm>
+            <a:off x="647700" y="1703705"/>
+            <a:ext cx="7673975" cy="4351655"/>
+          </a:xfrm>
+          <a:prstGeom prst="rect">
+            <a:avLst/>
+          </a:prstGeom>
+        </p:spPr>
+      </p:pic>
+    </p:spTree>
+  </p:cSld>
+  <p:clrMapOvr>
+    <a:masterClrMapping/>
+  </p:clrMapOvr>
+</p:sld>
+</file>
+
+<file path=ppt/slides/slide22.xml><?xml version="1.0" encoding="utf-8"?>
+<p:sld xmlns:a="http://schemas.openxmlformats.org/drawingml/2006/main" xmlns:r="http://schemas.openxmlformats.org/officeDocument/2006/relationships" xmlns:p="http://schemas.openxmlformats.org/presentationml/2006/main">
+  <p:cSld>
+    <p:spTree>
+      <p:nvGrpSpPr>
+        <p:cNvPr id="1" name=""/>
+        <p:cNvGrpSpPr/>
+        <p:nvPr/>
+      </p:nvGrpSpPr>
+      <p:grpSpPr/>
+      <p:sp>
+        <p:nvSpPr>
+          <p:cNvPr id="2" name="标题 1"/>
+          <p:cNvSpPr>
+            <a:spLocks noGrp="1"/>
+          </p:cNvSpPr>
+          <p:nvPr>
+            <p:ph type="title"/>
+          </p:nvPr>
+        </p:nvSpPr>
+        <p:spPr/>
+        <p:txBody>
+          <a:bodyPr/>
+          <a:p>
+            <a:r>
+              <a:rPr lang="zh-CN" altLang="en-US" sz="1600" b="0">
+                <a:effectLst/>
+              </a:rPr>
+              <a:t>远端联系人和本地联系人</a:t>
+            </a:r>
+            <a:endParaRPr lang="zh-CN" altLang="en-US" sz="1600" b="0">
+              <a:effectLst/>
+            </a:endParaRPr>
+          </a:p>
+        </p:txBody>
+      </p:sp>
+      <p:pic>
+        <p:nvPicPr>
+          <p:cNvPr id="4" name="内容占位符 3"/>
+          <p:cNvPicPr>
+            <a:picLocks noChangeAspect="1"/>
+          </p:cNvPicPr>
+          <p:nvPr>
+            <p:ph idx="1"/>
+          </p:nvPr>
+        </p:nvPicPr>
+        <p:blipFill>
+          <a:blip r:embed="rId1"/>
+          <a:stretch>
+            <a:fillRect/>
+          </a:stretch>
+        </p:blipFill>
+        <p:spPr>
+          <a:xfrm>
+            <a:off x="527050" y="2429510"/>
+            <a:ext cx="5565140" cy="3155950"/>
+          </a:xfrm>
+          <a:prstGeom prst="rect">
+            <a:avLst/>
+          </a:prstGeom>
+        </p:spPr>
+      </p:pic>
+      <p:pic>
+        <p:nvPicPr>
+          <p:cNvPr id="5" name="图片 4"/>
+          <p:cNvPicPr>
+            <a:picLocks noChangeAspect="1"/>
+          </p:cNvPicPr>
+          <p:nvPr/>
+        </p:nvPicPr>
+        <p:blipFill>
+          <a:blip r:embed="rId2"/>
+          <a:stretch>
+            <a:fillRect/>
+          </a:stretch>
+        </p:blipFill>
+        <p:spPr>
+          <a:xfrm>
+            <a:off x="6382385" y="2430145"/>
+            <a:ext cx="5563235" cy="3155315"/>
+          </a:xfrm>
+          <a:prstGeom prst="rect">
+            <a:avLst/>
+          </a:prstGeom>
+        </p:spPr>
+      </p:pic>
+    </p:spTree>
+  </p:cSld>
+  <p:clrMapOvr>
+    <a:masterClrMapping/>
+  </p:clrMapOvr>
+</p:sld>
+</file>
+
+<file path=ppt/slides/slide23.xml><?xml version="1.0" encoding="utf-8"?>
+<p:sld xmlns:a="http://schemas.openxmlformats.org/drawingml/2006/main" xmlns:r="http://schemas.openxmlformats.org/officeDocument/2006/relationships" xmlns:p="http://schemas.openxmlformats.org/presentationml/2006/main">
+  <p:cSld>
+    <p:spTree>
+      <p:nvGrpSpPr>
+        <p:cNvPr id="1" name=""/>
+        <p:cNvGrpSpPr/>
+        <p:nvPr/>
+      </p:nvGrpSpPr>
+      <p:grpSpPr/>
+      <p:sp>
+        <p:nvSpPr>
+          <p:cNvPr id="2" name="标题 1"/>
+          <p:cNvSpPr>
+            <a:spLocks noGrp="1"/>
+          </p:cNvSpPr>
+          <p:nvPr>
+            <p:ph type="title"/>
+          </p:nvPr>
+        </p:nvSpPr>
+        <p:spPr/>
+        <p:txBody>
+          <a:bodyPr/>
+          <a:p>
+            <a:r>
+              <a:rPr lang="en-US" altLang="zh-CN" sz="1600" b="0">
+                <a:effectLst/>
+              </a:rPr>
+              <a:t>web</a:t>
+            </a:r>
+            <a:r>
+              <a:rPr lang="zh-CN" altLang="en-US" sz="1600" b="0">
+                <a:effectLst/>
+              </a:rPr>
+              <a:t>端运行截图</a:t>
+            </a:r>
+            <a:endParaRPr lang="zh-CN" altLang="en-US" sz="1600" b="0">
+              <a:effectLst/>
+            </a:endParaRPr>
+          </a:p>
+        </p:txBody>
+      </p:sp>
+      <p:pic>
+        <p:nvPicPr>
+          <p:cNvPr id="4" name="内容占位符 3"/>
+          <p:cNvPicPr>
+            <a:picLocks noChangeAspect="1"/>
+          </p:cNvPicPr>
+          <p:nvPr>
+            <p:ph idx="1"/>
+          </p:nvPr>
+        </p:nvPicPr>
+        <p:blipFill>
+          <a:blip r:embed="rId1"/>
+          <a:stretch>
+            <a:fillRect/>
+          </a:stretch>
+        </p:blipFill>
+        <p:spPr>
+          <a:xfrm>
+            <a:off x="647700" y="1759585"/>
+            <a:ext cx="7735570" cy="4351655"/>
+          </a:xfrm>
+          <a:prstGeom prst="rect">
+            <a:avLst/>
+          </a:prstGeom>
+        </p:spPr>
+      </p:pic>
+    </p:spTree>
+  </p:cSld>
+  <p:clrMapOvr>
+    <a:masterClrMapping/>
+  </p:clrMapOvr>
+</p:sld>
+</file>
+
+<file path=ppt/slides/slide24.xml><?xml version="1.0" encoding="utf-8"?>
+<p:sld xmlns:a="http://schemas.openxmlformats.org/drawingml/2006/main" xmlns:r="http://schemas.openxmlformats.org/officeDocument/2006/relationships" xmlns:p="http://schemas.openxmlformats.org/presentationml/2006/main">
+  <p:cSld>
+    <p:spTree>
+      <p:nvGrpSpPr>
+        <p:cNvPr id="1" name=""/>
+        <p:cNvGrpSpPr/>
+        <p:nvPr/>
+      </p:nvGrpSpPr>
+      <p:grpSpPr/>
+      <p:sp>
+        <p:nvSpPr>
+          <p:cNvPr id="2" name="标题 1"/>
+          <p:cNvSpPr>
+            <a:spLocks noGrp="1"/>
+          </p:cNvSpPr>
+          <p:nvPr>
+            <p:ph type="title"/>
+          </p:nvPr>
+        </p:nvSpPr>
+        <p:spPr/>
+        <p:txBody>
+          <a:bodyPr/>
+          <a:p>
+            <a:r>
+              <a:rPr lang="zh-CN" altLang="en-US" sz="1600" b="0">
+                <a:effectLst/>
+              </a:rPr>
+              <a:t>远端联系人和本地联系人</a:t>
+            </a:r>
+            <a:endParaRPr lang="zh-CN" altLang="en-US" sz="1600" b="0">
+              <a:effectLst/>
+            </a:endParaRPr>
+          </a:p>
+        </p:txBody>
+      </p:sp>
+      <p:pic>
+        <p:nvPicPr>
+          <p:cNvPr id="4" name="内容占位符 3"/>
+          <p:cNvPicPr>
+            <a:picLocks noChangeAspect="1"/>
+          </p:cNvPicPr>
+          <p:nvPr>
+            <p:ph idx="1"/>
+          </p:nvPr>
+        </p:nvPicPr>
+        <p:blipFill>
+          <a:blip r:embed="rId1"/>
+          <a:stretch>
+            <a:fillRect/>
+          </a:stretch>
+        </p:blipFill>
+        <p:spPr>
+          <a:xfrm>
+            <a:off x="280670" y="2580005"/>
+            <a:ext cx="5718175" cy="3217545"/>
+          </a:xfrm>
+          <a:prstGeom prst="rect">
+            <a:avLst/>
+          </a:prstGeom>
+        </p:spPr>
+      </p:pic>
+      <p:pic>
+        <p:nvPicPr>
+          <p:cNvPr id="5" name="图片 4"/>
+          <p:cNvPicPr>
+            <a:picLocks noChangeAspect="1"/>
+          </p:cNvPicPr>
+          <p:nvPr/>
+        </p:nvPicPr>
+        <p:blipFill>
+          <a:blip r:embed="rId2"/>
+          <a:stretch>
+            <a:fillRect/>
+          </a:stretch>
+        </p:blipFill>
+        <p:spPr>
+          <a:xfrm>
+            <a:off x="6219825" y="2579370"/>
+            <a:ext cx="5720080" cy="3218180"/>
+          </a:xfrm>
+          <a:prstGeom prst="rect">
+            <a:avLst/>
+          </a:prstGeom>
+        </p:spPr>
+      </p:pic>
     </p:spTree>
   </p:cSld>
   <p:clrMapOvr>
